--- a/Презентація.pptx
+++ b/Презентація.pptx
@@ -263,7 +263,7 @@
           <a:p>
             <a:fld id="{888ACBFD-ED03-442F-B274-7F1061FEF413}" type="datetimeFigureOut">
               <a:rPr lang="uk-UA" smtClean="0"/>
-              <a:t>13.11.2024</a:t>
+              <a:t>14.11.2024</a:t>
             </a:fld>
             <a:endParaRPr lang="uk-UA"/>
           </a:p>
@@ -461,7 +461,7 @@
           <a:p>
             <a:fld id="{888ACBFD-ED03-442F-B274-7F1061FEF413}" type="datetimeFigureOut">
               <a:rPr lang="uk-UA" smtClean="0"/>
-              <a:t>13.11.2024</a:t>
+              <a:t>14.11.2024</a:t>
             </a:fld>
             <a:endParaRPr lang="uk-UA"/>
           </a:p>
@@ -669,7 +669,7 @@
           <a:p>
             <a:fld id="{888ACBFD-ED03-442F-B274-7F1061FEF413}" type="datetimeFigureOut">
               <a:rPr lang="uk-UA" smtClean="0"/>
-              <a:t>13.11.2024</a:t>
+              <a:t>14.11.2024</a:t>
             </a:fld>
             <a:endParaRPr lang="uk-UA"/>
           </a:p>
@@ -867,7 +867,7 @@
           <a:p>
             <a:fld id="{888ACBFD-ED03-442F-B274-7F1061FEF413}" type="datetimeFigureOut">
               <a:rPr lang="uk-UA" smtClean="0"/>
-              <a:t>13.11.2024</a:t>
+              <a:t>14.11.2024</a:t>
             </a:fld>
             <a:endParaRPr lang="uk-UA"/>
           </a:p>
@@ -1142,7 +1142,7 @@
           <a:p>
             <a:fld id="{888ACBFD-ED03-442F-B274-7F1061FEF413}" type="datetimeFigureOut">
               <a:rPr lang="uk-UA" smtClean="0"/>
-              <a:t>13.11.2024</a:t>
+              <a:t>14.11.2024</a:t>
             </a:fld>
             <a:endParaRPr lang="uk-UA"/>
           </a:p>
@@ -1407,7 +1407,7 @@
           <a:p>
             <a:fld id="{888ACBFD-ED03-442F-B274-7F1061FEF413}" type="datetimeFigureOut">
               <a:rPr lang="uk-UA" smtClean="0"/>
-              <a:t>13.11.2024</a:t>
+              <a:t>14.11.2024</a:t>
             </a:fld>
             <a:endParaRPr lang="uk-UA"/>
           </a:p>
@@ -1819,7 +1819,7 @@
           <a:p>
             <a:fld id="{888ACBFD-ED03-442F-B274-7F1061FEF413}" type="datetimeFigureOut">
               <a:rPr lang="uk-UA" smtClean="0"/>
-              <a:t>13.11.2024</a:t>
+              <a:t>14.11.2024</a:t>
             </a:fld>
             <a:endParaRPr lang="uk-UA"/>
           </a:p>
@@ -1960,7 +1960,7 @@
           <a:p>
             <a:fld id="{888ACBFD-ED03-442F-B274-7F1061FEF413}" type="datetimeFigureOut">
               <a:rPr lang="uk-UA" smtClean="0"/>
-              <a:t>13.11.2024</a:t>
+              <a:t>14.11.2024</a:t>
             </a:fld>
             <a:endParaRPr lang="uk-UA"/>
           </a:p>
@@ -2073,7 +2073,7 @@
           <a:p>
             <a:fld id="{888ACBFD-ED03-442F-B274-7F1061FEF413}" type="datetimeFigureOut">
               <a:rPr lang="uk-UA" smtClean="0"/>
-              <a:t>13.11.2024</a:t>
+              <a:t>14.11.2024</a:t>
             </a:fld>
             <a:endParaRPr lang="uk-UA"/>
           </a:p>
@@ -2384,7 +2384,7 @@
           <a:p>
             <a:fld id="{888ACBFD-ED03-442F-B274-7F1061FEF413}" type="datetimeFigureOut">
               <a:rPr lang="uk-UA" smtClean="0"/>
-              <a:t>13.11.2024</a:t>
+              <a:t>14.11.2024</a:t>
             </a:fld>
             <a:endParaRPr lang="uk-UA"/>
           </a:p>
@@ -2672,7 +2672,7 @@
           <a:p>
             <a:fld id="{888ACBFD-ED03-442F-B274-7F1061FEF413}" type="datetimeFigureOut">
               <a:rPr lang="uk-UA" smtClean="0"/>
-              <a:t>13.11.2024</a:t>
+              <a:t>14.11.2024</a:t>
             </a:fld>
             <a:endParaRPr lang="uk-UA"/>
           </a:p>
@@ -2913,7 +2913,7 @@
           <a:p>
             <a:fld id="{888ACBFD-ED03-442F-B274-7F1061FEF413}" type="datetimeFigureOut">
               <a:rPr lang="uk-UA" smtClean="0"/>
-              <a:t>13.11.2024</a:t>
+              <a:t>14.11.2024</a:t>
             </a:fld>
             <a:endParaRPr lang="uk-UA"/>
           </a:p>
@@ -5740,15 +5740,519 @@
         </p:spPr>
         <p:txBody>
           <a:bodyPr>
-            <a:normAutofit/>
+            <a:normAutofit fontScale="92500"/>
           </a:bodyPr>
           <a:lstStyle/>
           <a:p>
+            <a:pPr>
+              <a:lnSpc>
+                <a:spcPct val="110000"/>
+              </a:lnSpc>
+            </a:pPr>
+            <a:r>
+              <a:rPr lang="uk-UA" dirty="0">
+                <a:latin typeface="Comfortaa SemiBold" pitchFamily="2" charset="0"/>
+              </a:rPr>
+              <a:t>Виконав студент 45 групи</a:t>
+            </a:r>
+          </a:p>
+          <a:p>
+            <a:pPr>
+              <a:lnSpc>
+                <a:spcPct val="110000"/>
+              </a:lnSpc>
+            </a:pPr>
             <a:r>
               <a:rPr lang="uk-UA" dirty="0">
                 <a:latin typeface="Comfortaa SemiBold" pitchFamily="2" charset="0"/>
               </a:rPr>
               <a:t>Любченко Олег</a:t>
+            </a:r>
+          </a:p>
+        </p:txBody>
+      </p:sp>
+      <p:sp>
+        <p:nvSpPr>
+          <p:cNvPr id="4" name="Підзаголовок 2">
+            <a:extLst>
+              <a:ext uri="{FF2B5EF4-FFF2-40B4-BE49-F238E27FC236}">
+                <a16:creationId xmlns:a16="http://schemas.microsoft.com/office/drawing/2014/main" id="{FB51621E-71BB-AF8F-A987-4F2A7EC814F0}"/>
+              </a:ext>
+            </a:extLst>
+          </p:cNvPr>
+          <p:cNvSpPr txBox="1">
+            <a:spLocks/>
+          </p:cNvSpPr>
+          <p:nvPr/>
+        </p:nvSpPr>
+        <p:spPr>
+          <a:xfrm>
+            <a:off x="3325473" y="95904"/>
+            <a:ext cx="5132727" cy="1191873"/>
+          </a:xfrm>
+          <a:prstGeom prst="rect">
+            <a:avLst/>
+          </a:prstGeom>
+        </p:spPr>
+        <p:txBody>
+          <a:bodyPr vert="horz" lIns="91440" tIns="45720" rIns="91440" bIns="45720" rtlCol="0">
+            <a:normAutofit fontScale="62500" lnSpcReduction="20000"/>
+          </a:bodyPr>
+          <a:lstStyle>
+            <a:lvl1pPr marL="0" indent="0" algn="ctr" defTabSz="914400" rtl="0" eaLnBrk="1" latinLnBrk="0" hangingPunct="1">
+              <a:lnSpc>
+                <a:spcPct val="90000"/>
+              </a:lnSpc>
+              <a:spcBef>
+                <a:spcPts val="1000"/>
+              </a:spcBef>
+              <a:buFont typeface="Arial" panose="020B0604020202020204" pitchFamily="34" charset="0"/>
+              <a:buNone/>
+              <a:defRPr sz="2400" kern="1200">
+                <a:solidFill>
+                  <a:schemeClr val="tx1"/>
+                </a:solidFill>
+                <a:latin typeface="+mn-lt"/>
+                <a:ea typeface="+mn-ea"/>
+                <a:cs typeface="+mn-cs"/>
+              </a:defRPr>
+            </a:lvl1pPr>
+            <a:lvl2pPr marL="457200" indent="0" algn="ctr" defTabSz="914400" rtl="0" eaLnBrk="1" latinLnBrk="0" hangingPunct="1">
+              <a:lnSpc>
+                <a:spcPct val="90000"/>
+              </a:lnSpc>
+              <a:spcBef>
+                <a:spcPts val="500"/>
+              </a:spcBef>
+              <a:buFont typeface="Arial" panose="020B0604020202020204" pitchFamily="34" charset="0"/>
+              <a:buNone/>
+              <a:defRPr sz="2000" kern="1200">
+                <a:solidFill>
+                  <a:schemeClr val="tx1"/>
+                </a:solidFill>
+                <a:latin typeface="+mn-lt"/>
+                <a:ea typeface="+mn-ea"/>
+                <a:cs typeface="+mn-cs"/>
+              </a:defRPr>
+            </a:lvl2pPr>
+            <a:lvl3pPr marL="914400" indent="0" algn="ctr" defTabSz="914400" rtl="0" eaLnBrk="1" latinLnBrk="0" hangingPunct="1">
+              <a:lnSpc>
+                <a:spcPct val="90000"/>
+              </a:lnSpc>
+              <a:spcBef>
+                <a:spcPts val="500"/>
+              </a:spcBef>
+              <a:buFont typeface="Arial" panose="020B0604020202020204" pitchFamily="34" charset="0"/>
+              <a:buNone/>
+              <a:defRPr sz="1800" kern="1200">
+                <a:solidFill>
+                  <a:schemeClr val="tx1"/>
+                </a:solidFill>
+                <a:latin typeface="+mn-lt"/>
+                <a:ea typeface="+mn-ea"/>
+                <a:cs typeface="+mn-cs"/>
+              </a:defRPr>
+            </a:lvl3pPr>
+            <a:lvl4pPr marL="1371600" indent="0" algn="ctr" defTabSz="914400" rtl="0" eaLnBrk="1" latinLnBrk="0" hangingPunct="1">
+              <a:lnSpc>
+                <a:spcPct val="90000"/>
+              </a:lnSpc>
+              <a:spcBef>
+                <a:spcPts val="500"/>
+              </a:spcBef>
+              <a:buFont typeface="Arial" panose="020B0604020202020204" pitchFamily="34" charset="0"/>
+              <a:buNone/>
+              <a:defRPr sz="1600" kern="1200">
+                <a:solidFill>
+                  <a:schemeClr val="tx1"/>
+                </a:solidFill>
+                <a:latin typeface="+mn-lt"/>
+                <a:ea typeface="+mn-ea"/>
+                <a:cs typeface="+mn-cs"/>
+              </a:defRPr>
+            </a:lvl4pPr>
+            <a:lvl5pPr marL="1828800" indent="0" algn="ctr" defTabSz="914400" rtl="0" eaLnBrk="1" latinLnBrk="0" hangingPunct="1">
+              <a:lnSpc>
+                <a:spcPct val="90000"/>
+              </a:lnSpc>
+              <a:spcBef>
+                <a:spcPts val="500"/>
+              </a:spcBef>
+              <a:buFont typeface="Arial" panose="020B0604020202020204" pitchFamily="34" charset="0"/>
+              <a:buNone/>
+              <a:defRPr sz="1600" kern="1200">
+                <a:solidFill>
+                  <a:schemeClr val="tx1"/>
+                </a:solidFill>
+                <a:latin typeface="+mn-lt"/>
+                <a:ea typeface="+mn-ea"/>
+                <a:cs typeface="+mn-cs"/>
+              </a:defRPr>
+            </a:lvl5pPr>
+            <a:lvl6pPr marL="2286000" indent="0" algn="ctr" defTabSz="914400" rtl="0" eaLnBrk="1" latinLnBrk="0" hangingPunct="1">
+              <a:lnSpc>
+                <a:spcPct val="90000"/>
+              </a:lnSpc>
+              <a:spcBef>
+                <a:spcPts val="500"/>
+              </a:spcBef>
+              <a:buFont typeface="Arial" panose="020B0604020202020204" pitchFamily="34" charset="0"/>
+              <a:buNone/>
+              <a:defRPr sz="1600" kern="1200">
+                <a:solidFill>
+                  <a:schemeClr val="tx1"/>
+                </a:solidFill>
+                <a:latin typeface="+mn-lt"/>
+                <a:ea typeface="+mn-ea"/>
+                <a:cs typeface="+mn-cs"/>
+              </a:defRPr>
+            </a:lvl6pPr>
+            <a:lvl7pPr marL="2743200" indent="0" algn="ctr" defTabSz="914400" rtl="0" eaLnBrk="1" latinLnBrk="0" hangingPunct="1">
+              <a:lnSpc>
+                <a:spcPct val="90000"/>
+              </a:lnSpc>
+              <a:spcBef>
+                <a:spcPts val="500"/>
+              </a:spcBef>
+              <a:buFont typeface="Arial" panose="020B0604020202020204" pitchFamily="34" charset="0"/>
+              <a:buNone/>
+              <a:defRPr sz="1600" kern="1200">
+                <a:solidFill>
+                  <a:schemeClr val="tx1"/>
+                </a:solidFill>
+                <a:latin typeface="+mn-lt"/>
+                <a:ea typeface="+mn-ea"/>
+                <a:cs typeface="+mn-cs"/>
+              </a:defRPr>
+            </a:lvl7pPr>
+            <a:lvl8pPr marL="3200400" indent="0" algn="ctr" defTabSz="914400" rtl="0" eaLnBrk="1" latinLnBrk="0" hangingPunct="1">
+              <a:lnSpc>
+                <a:spcPct val="90000"/>
+              </a:lnSpc>
+              <a:spcBef>
+                <a:spcPts val="500"/>
+              </a:spcBef>
+              <a:buFont typeface="Arial" panose="020B0604020202020204" pitchFamily="34" charset="0"/>
+              <a:buNone/>
+              <a:defRPr sz="1600" kern="1200">
+                <a:solidFill>
+                  <a:schemeClr val="tx1"/>
+                </a:solidFill>
+                <a:latin typeface="+mn-lt"/>
+                <a:ea typeface="+mn-ea"/>
+                <a:cs typeface="+mn-cs"/>
+              </a:defRPr>
+            </a:lvl8pPr>
+            <a:lvl9pPr marL="3657600" indent="0" algn="ctr" defTabSz="914400" rtl="0" eaLnBrk="1" latinLnBrk="0" hangingPunct="1">
+              <a:lnSpc>
+                <a:spcPct val="90000"/>
+              </a:lnSpc>
+              <a:spcBef>
+                <a:spcPts val="500"/>
+              </a:spcBef>
+              <a:buFont typeface="Arial" panose="020B0604020202020204" pitchFamily="34" charset="0"/>
+              <a:buNone/>
+              <a:defRPr sz="1600" kern="1200">
+                <a:solidFill>
+                  <a:schemeClr val="tx1"/>
+                </a:solidFill>
+                <a:latin typeface="+mn-lt"/>
+                <a:ea typeface="+mn-ea"/>
+                <a:cs typeface="+mn-cs"/>
+              </a:defRPr>
+            </a:lvl9pPr>
+          </a:lstStyle>
+          <a:p>
+            <a:pPr indent="450215">
+              <a:lnSpc>
+                <a:spcPct val="150000"/>
+              </a:lnSpc>
+            </a:pPr>
+            <a:r>
+              <a:rPr lang="uk-UA" sz="1800" dirty="0">
+                <a:effectLst/>
+                <a:latin typeface="Comfortaa" pitchFamily="2" charset="0"/>
+                <a:ea typeface="Times New Roman" panose="02020603050405020304" pitchFamily="18" charset="0"/>
+              </a:rPr>
+              <a:t>МІНІСТЕРСТВО ОСВІТИ І НАУКИ УКРАЇНИ</a:t>
+            </a:r>
+            <a:r>
+              <a:rPr lang="en-US" sz="1800" dirty="0">
+                <a:effectLst/>
+                <a:latin typeface="Comfortaa" pitchFamily="2" charset="0"/>
+                <a:ea typeface="Times New Roman" panose="02020603050405020304" pitchFamily="18" charset="0"/>
+              </a:rPr>
+              <a:t> </a:t>
+            </a:r>
+            <a:r>
+              <a:rPr lang="uk-UA" sz="1800" dirty="0">
+                <a:effectLst/>
+                <a:latin typeface="Comfortaa" pitchFamily="2" charset="0"/>
+                <a:ea typeface="Times New Roman" panose="02020603050405020304" pitchFamily="18" charset="0"/>
+              </a:rPr>
+              <a:t>ВІДОКРЕМЛЕНИЙ СТРУКТУРНИЙ ПІДРОЗДІЛ</a:t>
+            </a:r>
+            <a:r>
+              <a:rPr lang="en-US" sz="1800" dirty="0">
+                <a:effectLst/>
+                <a:latin typeface="Comfortaa" pitchFamily="2" charset="0"/>
+                <a:ea typeface="Times New Roman" panose="02020603050405020304" pitchFamily="18" charset="0"/>
+              </a:rPr>
+              <a:t> </a:t>
+            </a:r>
+            <a:r>
+              <a:rPr lang="uk-UA" sz="1800" dirty="0">
+                <a:effectLst/>
+                <a:latin typeface="Comfortaa" pitchFamily="2" charset="0"/>
+                <a:ea typeface="Times New Roman" panose="02020603050405020304" pitchFamily="18" charset="0"/>
+              </a:rPr>
+              <a:t>«ПОЛТАВСЬКИЙ ПОЛІТЕХНІЧНИЙ ФАХОВИЙ КОЛЕДЖ </a:t>
+            </a:r>
+            <a:br>
+              <a:rPr lang="uk-UA" sz="1800" dirty="0">
+                <a:effectLst/>
+                <a:latin typeface="Comfortaa" pitchFamily="2" charset="0"/>
+                <a:ea typeface="Times New Roman" panose="02020603050405020304" pitchFamily="18" charset="0"/>
+              </a:rPr>
+            </a:br>
+            <a:r>
+              <a:rPr lang="uk-UA" sz="1800" dirty="0">
+                <a:effectLst/>
+                <a:latin typeface="Comfortaa" pitchFamily="2" charset="0"/>
+                <a:ea typeface="Times New Roman" panose="02020603050405020304" pitchFamily="18" charset="0"/>
+              </a:rPr>
+              <a:t>НАЦІОНАЛЬНОГО ТЕХНІЧНОГО УНІВЕРСИТЕТУ </a:t>
+            </a:r>
+            <a:br>
+              <a:rPr lang="uk-UA" sz="1800" dirty="0">
+                <a:effectLst/>
+                <a:latin typeface="Comfortaa" pitchFamily="2" charset="0"/>
+                <a:ea typeface="Times New Roman" panose="02020603050405020304" pitchFamily="18" charset="0"/>
+              </a:rPr>
+            </a:br>
+            <a:r>
+              <a:rPr lang="uk-UA" sz="1800" dirty="0">
+                <a:effectLst/>
+                <a:latin typeface="Comfortaa" pitchFamily="2" charset="0"/>
+                <a:ea typeface="Times New Roman" panose="02020603050405020304" pitchFamily="18" charset="0"/>
+              </a:rPr>
+              <a:t>«ХАРКІВСЬКИЙ ПОЛІТЕХНІЧНИЙ ІНСТИТУТ»</a:t>
+            </a:r>
+          </a:p>
+          <a:p>
+            <a:pPr>
+              <a:lnSpc>
+                <a:spcPct val="110000"/>
+              </a:lnSpc>
+            </a:pPr>
+            <a:endParaRPr lang="uk-UA" dirty="0">
+              <a:latin typeface="Comfortaa" pitchFamily="2" charset="0"/>
+            </a:endParaRPr>
+          </a:p>
+        </p:txBody>
+      </p:sp>
+      <p:sp>
+        <p:nvSpPr>
+          <p:cNvPr id="5" name="Підзаголовок 2">
+            <a:extLst>
+              <a:ext uri="{FF2B5EF4-FFF2-40B4-BE49-F238E27FC236}">
+                <a16:creationId xmlns:a16="http://schemas.microsoft.com/office/drawing/2014/main" id="{490AAC46-3AC8-8988-F781-7BDE8FECAD39}"/>
+              </a:ext>
+            </a:extLst>
+          </p:cNvPr>
+          <p:cNvSpPr txBox="1">
+            <a:spLocks/>
+          </p:cNvSpPr>
+          <p:nvPr/>
+        </p:nvSpPr>
+        <p:spPr>
+          <a:xfrm>
+            <a:off x="3528112" y="6203854"/>
+            <a:ext cx="5132727" cy="491472"/>
+          </a:xfrm>
+          <a:prstGeom prst="rect">
+            <a:avLst/>
+          </a:prstGeom>
+        </p:spPr>
+        <p:txBody>
+          <a:bodyPr vert="horz" lIns="91440" tIns="45720" rIns="91440" bIns="45720" rtlCol="0">
+            <a:normAutofit/>
+          </a:bodyPr>
+          <a:lstStyle>
+            <a:lvl1pPr marL="0" indent="0" algn="ctr" defTabSz="914400" rtl="0" eaLnBrk="1" latinLnBrk="0" hangingPunct="1">
+              <a:lnSpc>
+                <a:spcPct val="90000"/>
+              </a:lnSpc>
+              <a:spcBef>
+                <a:spcPts val="1000"/>
+              </a:spcBef>
+              <a:buFont typeface="Arial" panose="020B0604020202020204" pitchFamily="34" charset="0"/>
+              <a:buNone/>
+              <a:defRPr sz="2400" kern="1200">
+                <a:solidFill>
+                  <a:schemeClr val="tx1"/>
+                </a:solidFill>
+                <a:latin typeface="+mn-lt"/>
+                <a:ea typeface="+mn-ea"/>
+                <a:cs typeface="+mn-cs"/>
+              </a:defRPr>
+            </a:lvl1pPr>
+            <a:lvl2pPr marL="457200" indent="0" algn="ctr" defTabSz="914400" rtl="0" eaLnBrk="1" latinLnBrk="0" hangingPunct="1">
+              <a:lnSpc>
+                <a:spcPct val="90000"/>
+              </a:lnSpc>
+              <a:spcBef>
+                <a:spcPts val="500"/>
+              </a:spcBef>
+              <a:buFont typeface="Arial" panose="020B0604020202020204" pitchFamily="34" charset="0"/>
+              <a:buNone/>
+              <a:defRPr sz="2000" kern="1200">
+                <a:solidFill>
+                  <a:schemeClr val="tx1"/>
+                </a:solidFill>
+                <a:latin typeface="+mn-lt"/>
+                <a:ea typeface="+mn-ea"/>
+                <a:cs typeface="+mn-cs"/>
+              </a:defRPr>
+            </a:lvl2pPr>
+            <a:lvl3pPr marL="914400" indent="0" algn="ctr" defTabSz="914400" rtl="0" eaLnBrk="1" latinLnBrk="0" hangingPunct="1">
+              <a:lnSpc>
+                <a:spcPct val="90000"/>
+              </a:lnSpc>
+              <a:spcBef>
+                <a:spcPts val="500"/>
+              </a:spcBef>
+              <a:buFont typeface="Arial" panose="020B0604020202020204" pitchFamily="34" charset="0"/>
+              <a:buNone/>
+              <a:defRPr sz="1800" kern="1200">
+                <a:solidFill>
+                  <a:schemeClr val="tx1"/>
+                </a:solidFill>
+                <a:latin typeface="+mn-lt"/>
+                <a:ea typeface="+mn-ea"/>
+                <a:cs typeface="+mn-cs"/>
+              </a:defRPr>
+            </a:lvl3pPr>
+            <a:lvl4pPr marL="1371600" indent="0" algn="ctr" defTabSz="914400" rtl="0" eaLnBrk="1" latinLnBrk="0" hangingPunct="1">
+              <a:lnSpc>
+                <a:spcPct val="90000"/>
+              </a:lnSpc>
+              <a:spcBef>
+                <a:spcPts val="500"/>
+              </a:spcBef>
+              <a:buFont typeface="Arial" panose="020B0604020202020204" pitchFamily="34" charset="0"/>
+              <a:buNone/>
+              <a:defRPr sz="1600" kern="1200">
+                <a:solidFill>
+                  <a:schemeClr val="tx1"/>
+                </a:solidFill>
+                <a:latin typeface="+mn-lt"/>
+                <a:ea typeface="+mn-ea"/>
+                <a:cs typeface="+mn-cs"/>
+              </a:defRPr>
+            </a:lvl4pPr>
+            <a:lvl5pPr marL="1828800" indent="0" algn="ctr" defTabSz="914400" rtl="0" eaLnBrk="1" latinLnBrk="0" hangingPunct="1">
+              <a:lnSpc>
+                <a:spcPct val="90000"/>
+              </a:lnSpc>
+              <a:spcBef>
+                <a:spcPts val="500"/>
+              </a:spcBef>
+              <a:buFont typeface="Arial" panose="020B0604020202020204" pitchFamily="34" charset="0"/>
+              <a:buNone/>
+              <a:defRPr sz="1600" kern="1200">
+                <a:solidFill>
+                  <a:schemeClr val="tx1"/>
+                </a:solidFill>
+                <a:latin typeface="+mn-lt"/>
+                <a:ea typeface="+mn-ea"/>
+                <a:cs typeface="+mn-cs"/>
+              </a:defRPr>
+            </a:lvl5pPr>
+            <a:lvl6pPr marL="2286000" indent="0" algn="ctr" defTabSz="914400" rtl="0" eaLnBrk="1" latinLnBrk="0" hangingPunct="1">
+              <a:lnSpc>
+                <a:spcPct val="90000"/>
+              </a:lnSpc>
+              <a:spcBef>
+                <a:spcPts val="500"/>
+              </a:spcBef>
+              <a:buFont typeface="Arial" panose="020B0604020202020204" pitchFamily="34" charset="0"/>
+              <a:buNone/>
+              <a:defRPr sz="1600" kern="1200">
+                <a:solidFill>
+                  <a:schemeClr val="tx1"/>
+                </a:solidFill>
+                <a:latin typeface="+mn-lt"/>
+                <a:ea typeface="+mn-ea"/>
+                <a:cs typeface="+mn-cs"/>
+              </a:defRPr>
+            </a:lvl6pPr>
+            <a:lvl7pPr marL="2743200" indent="0" algn="ctr" defTabSz="914400" rtl="0" eaLnBrk="1" latinLnBrk="0" hangingPunct="1">
+              <a:lnSpc>
+                <a:spcPct val="90000"/>
+              </a:lnSpc>
+              <a:spcBef>
+                <a:spcPts val="500"/>
+              </a:spcBef>
+              <a:buFont typeface="Arial" panose="020B0604020202020204" pitchFamily="34" charset="0"/>
+              <a:buNone/>
+              <a:defRPr sz="1600" kern="1200">
+                <a:solidFill>
+                  <a:schemeClr val="tx1"/>
+                </a:solidFill>
+                <a:latin typeface="+mn-lt"/>
+                <a:ea typeface="+mn-ea"/>
+                <a:cs typeface="+mn-cs"/>
+              </a:defRPr>
+            </a:lvl7pPr>
+            <a:lvl8pPr marL="3200400" indent="0" algn="ctr" defTabSz="914400" rtl="0" eaLnBrk="1" latinLnBrk="0" hangingPunct="1">
+              <a:lnSpc>
+                <a:spcPct val="90000"/>
+              </a:lnSpc>
+              <a:spcBef>
+                <a:spcPts val="500"/>
+              </a:spcBef>
+              <a:buFont typeface="Arial" panose="020B0604020202020204" pitchFamily="34" charset="0"/>
+              <a:buNone/>
+              <a:defRPr sz="1600" kern="1200">
+                <a:solidFill>
+                  <a:schemeClr val="tx1"/>
+                </a:solidFill>
+                <a:latin typeface="+mn-lt"/>
+                <a:ea typeface="+mn-ea"/>
+                <a:cs typeface="+mn-cs"/>
+              </a:defRPr>
+            </a:lvl8pPr>
+            <a:lvl9pPr marL="3657600" indent="0" algn="ctr" defTabSz="914400" rtl="0" eaLnBrk="1" latinLnBrk="0" hangingPunct="1">
+              <a:lnSpc>
+                <a:spcPct val="90000"/>
+              </a:lnSpc>
+              <a:spcBef>
+                <a:spcPts val="500"/>
+              </a:spcBef>
+              <a:buFont typeface="Arial" panose="020B0604020202020204" pitchFamily="34" charset="0"/>
+              <a:buNone/>
+              <a:defRPr sz="1600" kern="1200">
+                <a:solidFill>
+                  <a:schemeClr val="tx1"/>
+                </a:solidFill>
+                <a:latin typeface="+mn-lt"/>
+                <a:ea typeface="+mn-ea"/>
+                <a:cs typeface="+mn-cs"/>
+              </a:defRPr>
+            </a:lvl9pPr>
+          </a:lstStyle>
+          <a:p>
+            <a:pPr>
+              <a:lnSpc>
+                <a:spcPct val="110000"/>
+              </a:lnSpc>
+            </a:pPr>
+            <a:r>
+              <a:rPr lang="uk-UA" sz="1400" dirty="0">
+                <a:latin typeface="Comfortaa" pitchFamily="2" charset="0"/>
+              </a:rPr>
+              <a:t>Полтава - 2024</a:t>
             </a:r>
           </a:p>
         </p:txBody>
